--- a/data/6.tfidf.pptx
+++ b/data/6.tfidf.pptx
@@ -231,7 +231,7 @@
             <a:fld id="{F2C886A8-3B34-4F59-9996-921328CDA452}" type="datetimeFigureOut">
               <a:rPr lang="ko-KR" altLang="en-US" smtClean="0"/>
               <a:pPr/>
-              <a:t>2017-04-11</a:t>
+              <a:t>2017-04-18</a:t>
             </a:fld>
             <a:endParaRPr lang="ko-KR" altLang="en-US"/>
           </a:p>
@@ -399,7 +399,7 @@
             <a:fld id="{CB35E60D-F1CA-4663-8A94-573EEC285FF9}" type="datetimeFigureOut">
               <a:rPr lang="ko-KR" altLang="en-US" smtClean="0"/>
               <a:pPr/>
-              <a:t>2017-04-11</a:t>
+              <a:t>2017-04-18</a:t>
             </a:fld>
             <a:endParaRPr lang="ko-KR" altLang="en-US"/>
           </a:p>
@@ -5168,7 +5168,7 @@
       </p:sp>
       <p:pic>
         <p:nvPicPr>
-          <p:cNvPr id="4" name="그림 3"/>
+          <p:cNvPr id="5" name="그림 4"/>
           <p:cNvPicPr>
             <a:picLocks noChangeAspect="1"/>
           </p:cNvPicPr>
@@ -5182,8 +5182,8 @@
         </p:blipFill>
         <p:spPr>
           <a:xfrm>
-            <a:off x="347373" y="914400"/>
-            <a:ext cx="8449254" cy="5059680"/>
+            <a:off x="430149" y="1081278"/>
+            <a:ext cx="8283702" cy="4953430"/>
           </a:xfrm>
           <a:prstGeom prst="rect">
             <a:avLst/>
